--- a/vpc-cockroachdb-mzr/docs/diagrams/cockroachdb-mzr-short.pptx
+++ b/vpc-cockroachdb-mzr/docs/diagrams/cockroachdb-mzr-short.pptx
@@ -3851,7 +3851,7 @@
         </p:nvGrpSpPr>
         <p:grpSpPr>
           <a:xfrm>
-            <a:off x="2170047" y="432369"/>
+            <a:off x="2178436" y="423980"/>
             <a:ext cx="228600" cy="228600"/>
             <a:chOff x="4585706" y="3621897"/>
             <a:chExt cx="914400" cy="914400"/>
@@ -7730,7 +7730,7 @@
         </p:nvGrpSpPr>
         <p:grpSpPr>
           <a:xfrm>
-            <a:off x="2569276" y="1411729"/>
+            <a:off x="2569276" y="1420118"/>
             <a:ext cx="228600" cy="228600"/>
             <a:chOff x="6425966" y="3935635"/>
             <a:chExt cx="914399" cy="914399"/>
@@ -8249,7 +8249,7 @@
         </p:nvGrpSpPr>
         <p:grpSpPr>
           <a:xfrm>
-            <a:off x="4442913" y="1398724"/>
+            <a:off x="4442913" y="1407113"/>
             <a:ext cx="228600" cy="228600"/>
             <a:chOff x="6425966" y="3935635"/>
             <a:chExt cx="914399" cy="914399"/>
@@ -8459,7 +8459,7 @@
         </p:nvGrpSpPr>
         <p:grpSpPr>
           <a:xfrm>
-            <a:off x="4452646" y="2941608"/>
+            <a:off x="4452646" y="2933219"/>
             <a:ext cx="228600" cy="228600"/>
             <a:chOff x="6425966" y="3935635"/>
             <a:chExt cx="914399" cy="914399"/>
@@ -9077,7 +9077,7 @@
         </p:nvGrpSpPr>
         <p:grpSpPr>
           <a:xfrm>
-            <a:off x="6284990" y="1412613"/>
+            <a:off x="6284990" y="1421002"/>
             <a:ext cx="228600" cy="228600"/>
             <a:chOff x="6425966" y="3935635"/>
             <a:chExt cx="914399" cy="914399"/>
@@ -9765,7 +9765,7 @@
         </p:nvGrpSpPr>
         <p:grpSpPr>
           <a:xfrm>
-            <a:off x="2247164" y="4100833"/>
+            <a:off x="2272535" y="4110970"/>
             <a:ext cx="243840" cy="243840"/>
             <a:chOff x="365760" y="1219200"/>
             <a:chExt cx="243840" cy="243840"/>
@@ -9839,10 +9839,9 @@
                     <a:srgbClr val="0C755F"/>
                   </a:solidFill>
                   <a:latin typeface="Helvetica" pitchFamily="34" charset="0"/>
-                  <a:ea typeface="Helvetica" pitchFamily="34" charset="-122"/>
                   <a:cs typeface="Helvetica" pitchFamily="34" charset="-120"/>
                 </a:rPr>
-                <a:t>1</a:t>
+                <a:t>2</a:t>
               </a:r>
               <a:endParaRPr lang="en-US" sz="2400" dirty="0"/>
             </a:p>
@@ -9944,10 +9943,9 @@
                     <a:srgbClr val="0C755F"/>
                   </a:solidFill>
                   <a:latin typeface="Helvetica" pitchFamily="34" charset="0"/>
-                  <a:ea typeface="Helvetica" pitchFamily="34" charset="-122"/>
                   <a:cs typeface="Helvetica" pitchFamily="34" charset="-120"/>
                 </a:rPr>
-                <a:t>3</a:t>
+                <a:t>4</a:t>
               </a:r>
               <a:endParaRPr lang="en-US" sz="2400" dirty="0"/>
             </a:p>
@@ -10299,10 +10297,9 @@
                     <a:srgbClr val="0C755F"/>
                   </a:solidFill>
                   <a:latin typeface="Helvetica" pitchFamily="34" charset="0"/>
-                  <a:ea typeface="Helvetica" pitchFamily="34" charset="-122"/>
                   <a:cs typeface="Helvetica" pitchFamily="34" charset="-120"/>
                 </a:rPr>
-                <a:t>2</a:t>
+                <a:t>3</a:t>
               </a:r>
               <a:endParaRPr lang="en-US" sz="2400" dirty="0"/>
             </a:p>
@@ -10406,7 +10403,7 @@
                   <a:latin typeface="Helvetica" pitchFamily="34" charset="0"/>
                   <a:cs typeface="Helvetica" pitchFamily="34" charset="-120"/>
                 </a:rPr>
-                <a:t>5</a:t>
+                <a:t>6</a:t>
               </a:r>
               <a:endParaRPr lang="en-US" sz="2400" dirty="0"/>
             </a:p>
@@ -10508,10 +10505,9 @@
                     <a:srgbClr val="0C755F"/>
                   </a:solidFill>
                   <a:latin typeface="Helvetica" pitchFamily="34" charset="0"/>
-                  <a:ea typeface="Helvetica" pitchFamily="34" charset="-122"/>
                   <a:cs typeface="Helvetica" pitchFamily="34" charset="-120"/>
                 </a:rPr>
-                <a:t>6</a:t>
+                <a:t>7</a:t>
               </a:r>
               <a:endParaRPr lang="en-US" sz="2400" dirty="0"/>
             </a:p>
@@ -10893,10 +10889,107 @@
                     <a:srgbClr val="0C755F"/>
                   </a:solidFill>
                   <a:latin typeface="Helvetica" pitchFamily="34" charset="0"/>
+                  <a:cs typeface="Helvetica" pitchFamily="34" charset="-120"/>
+                </a:rPr>
+                <a:t>5</a:t>
+              </a:r>
+              <a:endParaRPr lang="en-US" sz="2400" dirty="0"/>
+            </a:p>
+          </p:txBody>
+        </p:sp>
+      </p:grpSp>
+      <p:grpSp>
+        <p:nvGrpSpPr>
+          <p:cNvPr id="201" name="Group 200">
+            <a:extLst>
+              <a:ext uri="{FF2B5EF4-FFF2-40B4-BE49-F238E27FC236}">
+                <a16:creationId xmlns:a16="http://schemas.microsoft.com/office/drawing/2014/main" id="{8384F250-0271-44B4-95AE-0C23ED15FA22}"/>
+              </a:ext>
+            </a:extLst>
+          </p:cNvPr>
+          <p:cNvGrpSpPr/>
+          <p:nvPr/>
+        </p:nvGrpSpPr>
+        <p:grpSpPr>
+          <a:xfrm>
+            <a:off x="2531177" y="303307"/>
+            <a:ext cx="243840" cy="243840"/>
+            <a:chOff x="365760" y="1219200"/>
+            <a:chExt cx="243840" cy="243840"/>
+          </a:xfrm>
+        </p:grpSpPr>
+        <p:sp>
+          <p:nvSpPr>
+            <p:cNvPr id="234" name="Object 10">
+              <a:extLst>
+                <a:ext uri="{FF2B5EF4-FFF2-40B4-BE49-F238E27FC236}">
+                  <a16:creationId xmlns:a16="http://schemas.microsoft.com/office/drawing/2014/main" id="{0653D367-A5F9-4231-ACBF-F52DAA3E66C8}"/>
+                </a:ext>
+              </a:extLst>
+            </p:cNvPr>
+            <p:cNvSpPr/>
+            <p:nvPr/>
+          </p:nvSpPr>
+          <p:spPr>
+            <a:xfrm>
+              <a:off x="365760" y="1219200"/>
+              <a:ext cx="243840" cy="243840"/>
+            </a:xfrm>
+            <a:prstGeom prst="ellipse">
+              <a:avLst/>
+            </a:prstGeom>
+            <a:solidFill>
+              <a:srgbClr val="FFFFFF"/>
+            </a:solidFill>
+            <a:ln w="19050">
+              <a:solidFill>
+                <a:srgbClr val="0C755F"/>
+              </a:solidFill>
+              <a:prstDash val="solid"/>
+            </a:ln>
+          </p:spPr>
+        </p:sp>
+        <p:sp>
+          <p:nvSpPr>
+            <p:cNvPr id="235" name="Object 11">
+              <a:extLst>
+                <a:ext uri="{FF2B5EF4-FFF2-40B4-BE49-F238E27FC236}">
+                  <a16:creationId xmlns:a16="http://schemas.microsoft.com/office/drawing/2014/main" id="{8A044C55-3C32-47A3-BB97-0693AA101A81}"/>
+                </a:ext>
+              </a:extLst>
+            </p:cNvPr>
+            <p:cNvSpPr/>
+            <p:nvPr/>
+          </p:nvSpPr>
+          <p:spPr>
+            <a:xfrm>
+              <a:off x="365760" y="1269337"/>
+              <a:ext cx="243840" cy="143565"/>
+            </a:xfrm>
+            <a:prstGeom prst="rect">
+              <a:avLst/>
+            </a:prstGeom>
+            <a:noFill/>
+          </p:spPr>
+          <p:txBody>
+            <a:bodyPr wrap="square" lIns="0" tIns="0" rIns="0" bIns="0" rtlCol="0" anchor="ctr">
+              <a:spAutoFit/>
+            </a:bodyPr>
+            <a:lstStyle/>
+            <a:p>
+              <a:pPr algn="ctr">
+                <a:buNone/>
+              </a:pPr>
+              <a:r>
+                <a:rPr lang="en-US" sz="933" b="1" dirty="0">
+                  <a:solidFill>
+                    <a:srgbClr val="0C755F"/>
+                  </a:solidFill>
+                  <a:latin typeface="Helvetica" pitchFamily="34" charset="0"/>
                   <a:ea typeface="Helvetica" pitchFamily="34" charset="-122"/>
                   <a:cs typeface="Helvetica" pitchFamily="34" charset="-120"/>
                 </a:rPr>
-                <a:t>4</a:t>
+                <a:t>1</a:t>
               </a:r>
               <a:endParaRPr lang="en-US" sz="2400" dirty="0"/>
             </a:p>
